--- a/InterLynk_Tech_Entrepreneurship_Presentation.pptx
+++ b/InterLynk_Tech_Entrepreneurship_Presentation.pptx
@@ -4005,51 +4005,127 @@
           <a:lstStyle/>
           <a:p>
             <a:r>
-              <a:rPr b="1" dirty="0">
-                <a:solidFill>
-                  <a:schemeClr val="tx2">
-                    <a:lumMod val="75000"/>
-                  </a:schemeClr>
-                </a:solidFill>
-                <a:cs typeface="+mn-cs"/>
-              </a:rPr>
-              <a:t>Founding Roles</a:t>
-            </a:r>
-            <a:r>
-              <a:rPr dirty="0">
-                <a:solidFill>
-                  <a:schemeClr val="tx2">
-                    <a:lumMod val="75000"/>
-                  </a:schemeClr>
-                </a:solidFill>
-                <a:cs typeface="+mn-cs"/>
-              </a:rPr>
-              <a:t>: CEO, CTO, CMO, CXO</a:t>
-            </a:r>
-          </a:p>
-          <a:p>
-            <a:r>
-              <a:rPr b="1" dirty="0">
-                <a:solidFill>
-                  <a:schemeClr val="tx2">
-                    <a:lumMod val="75000"/>
-                  </a:schemeClr>
-                </a:solidFill>
-                <a:cs typeface="+mn-cs"/>
-              </a:rPr>
-              <a:t>Employee Growth</a:t>
-            </a:r>
-            <a:r>
-              <a:rPr dirty="0">
-                <a:solidFill>
-                  <a:schemeClr val="tx2">
-                    <a:lumMod val="75000"/>
-                  </a:schemeClr>
-                </a:solidFill>
-                <a:cs typeface="+mn-cs"/>
-              </a:rPr>
-              <a:t>: Training, mentorship, culture of learning</a:t>
-            </a:r>
+              <a:rPr lang="en-US" b="1" dirty="0">
+                <a:solidFill>
+                  <a:schemeClr val="tx2">
+                    <a:lumMod val="75000"/>
+                  </a:schemeClr>
+                </a:solidFill>
+              </a:rPr>
+              <a:t>Founding Team</a:t>
+            </a:r>
+            <a:r>
+              <a:rPr lang="en-US" dirty="0">
+                <a:solidFill>
+                  <a:schemeClr val="tx2">
+                    <a:lumMod val="75000"/>
+                  </a:schemeClr>
+                </a:solidFill>
+              </a:rPr>
+              <a:t>: Comprises CEO, CTO, CMO, and CXO, </a:t>
+            </a:r>
+            <a:r>
+              <a:rPr lang="en-US" b="1" dirty="0">
+                <a:solidFill>
+                  <a:schemeClr val="tx2">
+                    <a:lumMod val="75000"/>
+                  </a:schemeClr>
+                </a:solidFill>
+              </a:rPr>
+              <a:t>covering core areas</a:t>
+            </a:r>
+            <a:r>
+              <a:rPr lang="en-US" dirty="0">
+                <a:solidFill>
+                  <a:schemeClr val="tx2">
+                    <a:lumMod val="75000"/>
+                  </a:schemeClr>
+                </a:solidFill>
+              </a:rPr>
+              <a:t>: tech, business, marketing, and UX</a:t>
+            </a:r>
+            <a:r>
+              <a:rPr lang="en-US" dirty="0" smtClean="0">
+                <a:solidFill>
+                  <a:schemeClr val="tx2">
+                    <a:lumMod val="75000"/>
+                  </a:schemeClr>
+                </a:solidFill>
+              </a:rPr>
+              <a:t>.</a:t>
+            </a:r>
+          </a:p>
+          <a:p>
+            <a:r>
+              <a:rPr lang="en-US" b="1" dirty="0" smtClean="0">
+                <a:solidFill>
+                  <a:schemeClr val="tx2">
+                    <a:lumMod val="75000"/>
+                  </a:schemeClr>
+                </a:solidFill>
+              </a:rPr>
+              <a:t>Employee </a:t>
+            </a:r>
+            <a:r>
+              <a:rPr lang="en-US" b="1" dirty="0">
+                <a:solidFill>
+                  <a:schemeClr val="tx2">
+                    <a:lumMod val="75000"/>
+                  </a:schemeClr>
+                </a:solidFill>
+              </a:rPr>
+              <a:t>Growth</a:t>
+            </a:r>
+            <a:r>
+              <a:rPr lang="en-US" dirty="0">
+                <a:solidFill>
+                  <a:schemeClr val="tx2">
+                    <a:lumMod val="75000"/>
+                  </a:schemeClr>
+                </a:solidFill>
+              </a:rPr>
+              <a:t>: Training, mentorship, learning culture</a:t>
+            </a:r>
+            <a:r>
+              <a:rPr lang="en-US" dirty="0" smtClean="0">
+                <a:solidFill>
+                  <a:schemeClr val="tx2">
+                    <a:lumMod val="75000"/>
+                  </a:schemeClr>
+                </a:solidFill>
+              </a:rPr>
+              <a:t>.</a:t>
+            </a:r>
+          </a:p>
+          <a:p>
+            <a:r>
+              <a:rPr lang="en-US" b="1" dirty="0" smtClean="0">
+                <a:solidFill>
+                  <a:schemeClr val="tx2">
+                    <a:lumMod val="75000"/>
+                  </a:schemeClr>
+                </a:solidFill>
+              </a:rPr>
+              <a:t>Culture</a:t>
+            </a:r>
+            <a:r>
+              <a:rPr lang="en-US" dirty="0">
+                <a:solidFill>
+                  <a:schemeClr val="tx2">
+                    <a:lumMod val="75000"/>
+                  </a:schemeClr>
+                </a:solidFill>
+              </a:rPr>
+              <a:t>: Experimentation, adaptation, performance feedback.</a:t>
+            </a:r>
+            <a:endParaRPr dirty="0">
+              <a:solidFill>
+                <a:schemeClr val="tx2">
+                  <a:lumMod val="75000"/>
+                </a:schemeClr>
+              </a:solidFill>
+              <a:cs typeface="+mn-cs"/>
+            </a:endParaRPr>
           </a:p>
         </p:txBody>
       </p:sp>
